--- a/lectures/week4/lecture1/slides/week4_lecture1.pptx
+++ b/lectures/week4/lecture1/slides/week4_lecture1.pptx
@@ -11253,7 +11253,7 @@
                 <a:latin typeface="Courier New" panose="02070309020205020404" pitchFamily="49" charset="0"/>
                 <a:cs typeface="Courier New" panose="02070309020205020404" pitchFamily="49" charset="0"/>
               </a:rPr>
-              <a:t>2</a:t>
+              <a:t>4</a:t>
             </a:r>
           </a:p>
         </p:txBody>
@@ -44076,7 +44076,7 @@
                 <a:latin typeface="Courier New" panose="02070309020205020404" pitchFamily="49" charset="0"/>
                 <a:cs typeface="Courier New" panose="02070309020205020404" pitchFamily="49" charset="0"/>
               </a:rPr>
-              <a:t>x = 6</a:t>
+              <a:t>x = 5</a:t>
             </a:r>
           </a:p>
         </p:txBody>
@@ -44221,7 +44221,7 @@
                 <a:latin typeface="Courier New" panose="02070309020205020404" pitchFamily="49" charset="0"/>
                 <a:cs typeface="Courier New" panose="02070309020205020404" pitchFamily="49" charset="0"/>
               </a:rPr>
-              <a:t>6 &lt; 5</a:t>
+              <a:t>5 &lt; 5</a:t>
             </a:r>
           </a:p>
           <a:p>
@@ -50148,7 +50148,7 @@
 </file>
 
 <file path=ppt/slides/slide73.xml><?xml version="1.0" encoding="utf-8"?>
-<p:sld xmlns:a="http://schemas.openxmlformats.org/drawingml/2006/main" xmlns:r="http://schemas.openxmlformats.org/officeDocument/2006/relationships" xmlns:p="http://schemas.openxmlformats.org/presentationml/2006/main">
+<p:sld xmlns:a="http://schemas.openxmlformats.org/drawingml/2006/main" xmlns:r="http://schemas.openxmlformats.org/officeDocument/2006/relationships" xmlns:p="http://schemas.openxmlformats.org/presentationml/2006/main" show="0">
   <p:cSld>
     <p:spTree>
       <p:nvGrpSpPr>
@@ -51092,15 +51092,7 @@
           <a:p>
             <a:r>
               <a:rPr lang="en-US" sz="3200" dirty="0"/>
-              <a:t>Write code to print all the numbers from 0 to 20 that </a:t>
-            </a:r>
-            <a:r>
-              <a:rPr lang="en-US" sz="3200"/>
-              <a:t>aren’t evenly divisible </a:t>
-            </a:r>
-            <a:r>
-              <a:rPr lang="en-US" sz="3200" dirty="0"/>
-              <a:t>by either 3 or 5</a:t>
+              <a:t>Write code to print all the numbers from 0 to 20 that aren’t evenly divisible by either 3 or 5</a:t>
             </a:r>
             <a:r>
               <a:rPr lang="en-US" sz="3200" dirty="0">
